--- a/复盘.pptx
+++ b/复盘.pptx
@@ -8,6 +8,7 @@
     <p:sldId id="256" r:id="rId3"/>
     <p:sldId id="257" r:id="rId4"/>
     <p:sldId id="259" r:id="rId5"/>
+    <p:sldId id="260" r:id="rId6"/>
   </p:sldIdLst>
   <p:sldSz cx="12192000" cy="6858000"/>
   <p:notesSz cx="6858000" cy="9144000"/>
@@ -3501,6 +3502,211 @@
 </p:sld>
 </file>
 
+<file path=ppt/slides/slide4.xml><?xml version="1.0" encoding="utf-8"?>
+<p:sld xmlns:a="http://schemas.openxmlformats.org/drawingml/2006/main" xmlns:r="http://schemas.openxmlformats.org/officeDocument/2006/relationships" xmlns:p="http://schemas.openxmlformats.org/presentationml/2006/main">
+  <p:cSld>
+    <p:spTree>
+      <p:nvGrpSpPr>
+        <p:cNvPr id="1" name=""/>
+        <p:cNvGrpSpPr/>
+        <p:nvPr/>
+      </p:nvGrpSpPr>
+      <p:grpSpPr/>
+      <p:sp>
+        <p:nvSpPr>
+          <p:cNvPr id="2" name="标题 1"/>
+          <p:cNvSpPr>
+            <a:spLocks noGrp="1"/>
+          </p:cNvSpPr>
+          <p:nvPr>
+            <p:ph type="title"/>
+          </p:nvPr>
+        </p:nvSpPr>
+        <p:spPr/>
+        <p:txBody>
+          <a:bodyPr/>
+          <a:p>
+            <a:r>
+              <a:rPr lang="en-US" altLang="zh-CN">
+                <a:solidFill>
+                  <a:srgbClr val="FF0000"/>
+                </a:solidFill>
+                <a:sym typeface="+mn-ea"/>
+              </a:rPr>
+              <a:t>2025/07/25</a:t>
+            </a:r>
+            <a:endParaRPr lang="zh-CN" altLang="en-US"/>
+          </a:p>
+        </p:txBody>
+      </p:sp>
+      <p:sp>
+        <p:nvSpPr>
+          <p:cNvPr id="3" name="内容占位符 2"/>
+          <p:cNvSpPr>
+            <a:spLocks noGrp="1"/>
+          </p:cNvSpPr>
+          <p:nvPr>
+            <p:ph idx="1"/>
+          </p:nvPr>
+        </p:nvSpPr>
+        <p:spPr/>
+        <p:txBody>
+          <a:bodyPr>
+            <a:normAutofit lnSpcReduction="10000"/>
+          </a:bodyPr>
+          <a:p>
+            <a:r>
+              <a:rPr lang="zh-CN">
+                <a:solidFill>
+                  <a:srgbClr val="FF0000"/>
+                </a:solidFill>
+                <a:effectLst>
+                  <a:outerShdw blurRad="38100" dist="25400" dir="5400000" algn="ctr" rotWithShape="0">
+                    <a:srgbClr val="6E747A">
+                      <a:alpha val="43000"/>
+                    </a:srgbClr>
+                  </a:outerShdw>
+                </a:effectLst>
+                <a:sym typeface="+mn-ea"/>
+              </a:rPr>
+              <a:t>短线：</a:t>
+            </a:r>
+            <a:endParaRPr lang="zh-CN">
+              <a:solidFill>
+                <a:srgbClr val="FF0000"/>
+              </a:solidFill>
+              <a:effectLst>
+                <a:outerShdw blurRad="38100" dist="25400" dir="5400000" algn="ctr" rotWithShape="0">
+                  <a:srgbClr val="6E747A">
+                    <a:alpha val="43000"/>
+                  </a:srgbClr>
+                </a:outerShdw>
+              </a:effectLst>
+            </a:endParaRPr>
+          </a:p>
+          <a:p>
+            <a:r>
+              <a:rPr lang="zh-CN">
+                <a:solidFill>
+                  <a:schemeClr val="accent1"/>
+                </a:solidFill>
+                <a:effectLst>
+                  <a:outerShdw blurRad="38100" dist="25400" dir="5400000" algn="ctr" rotWithShape="0">
+                    <a:srgbClr val="6E747A">
+                      <a:alpha val="43000"/>
+                    </a:srgbClr>
+                  </a:outerShdw>
+                </a:effectLst>
+              </a:rPr>
+              <a:t>短线需要养成交易纪律，最近几次出手，都是开局大幅盈利，然后未能及时止盈，最后导致回撤，甚至亏损。</a:t>
+            </a:r>
+            <a:endParaRPr lang="zh-CN">
+              <a:solidFill>
+                <a:schemeClr val="accent1"/>
+              </a:solidFill>
+              <a:effectLst>
+                <a:outerShdw blurRad="38100" dist="25400" dir="5400000" algn="ctr" rotWithShape="0">
+                  <a:srgbClr val="6E747A">
+                    <a:alpha val="43000"/>
+                  </a:srgbClr>
+                </a:outerShdw>
+              </a:effectLst>
+            </a:endParaRPr>
+          </a:p>
+          <a:p>
+            <a:r>
+              <a:rPr lang="zh-CN">
+                <a:solidFill>
+                  <a:schemeClr val="accent1"/>
+                </a:solidFill>
+                <a:effectLst>
+                  <a:outerShdw blurRad="38100" dist="25400" dir="5400000" algn="ctr" rotWithShape="0">
+                    <a:srgbClr val="6E747A">
+                      <a:alpha val="43000"/>
+                    </a:srgbClr>
+                  </a:outerShdw>
+                </a:effectLst>
+                <a:sym typeface="+mn-ea"/>
+              </a:rPr>
+              <a:t>止损要坚决，止盈要果断，还是要多练才行。</a:t>
+            </a:r>
+            <a:endParaRPr lang="zh-CN">
+              <a:solidFill>
+                <a:schemeClr val="accent1"/>
+              </a:solidFill>
+              <a:effectLst>
+                <a:outerShdw blurRad="38100" dist="25400" dir="5400000" algn="ctr" rotWithShape="0">
+                  <a:srgbClr val="6E747A">
+                    <a:alpha val="43000"/>
+                  </a:srgbClr>
+                </a:outerShdw>
+              </a:effectLst>
+              <a:sym typeface="+mn-ea"/>
+            </a:endParaRPr>
+          </a:p>
+          <a:p>
+            <a:r>
+              <a:rPr lang="zh-CN">
+                <a:solidFill>
+                  <a:schemeClr val="accent1"/>
+                </a:solidFill>
+                <a:effectLst>
+                  <a:outerShdw blurRad="38100" dist="25400" dir="5400000" algn="ctr" rotWithShape="0">
+                    <a:srgbClr val="6E747A">
+                      <a:alpha val="43000"/>
+                    </a:srgbClr>
+                  </a:outerShdw>
+                </a:effectLst>
+                <a:sym typeface="+mn-ea"/>
+              </a:rPr>
+              <a:t>光伏目前有点不上不下，暂时还有浮盈，拿着等机会吧。</a:t>
+            </a:r>
+            <a:endParaRPr lang="zh-CN">
+              <a:solidFill>
+                <a:schemeClr val="accent1"/>
+              </a:solidFill>
+              <a:effectLst>
+                <a:outerShdw blurRad="38100" dist="25400" dir="5400000" algn="ctr" rotWithShape="0">
+                  <a:srgbClr val="6E747A">
+                    <a:alpha val="43000"/>
+                  </a:srgbClr>
+                </a:outerShdw>
+              </a:effectLst>
+              <a:sym typeface="+mn-ea"/>
+            </a:endParaRPr>
+          </a:p>
+          <a:p>
+            <a:r>
+              <a:rPr lang="zh-CN">
+                <a:solidFill>
+                  <a:schemeClr val="accent1"/>
+                </a:solidFill>
+                <a:effectLst>
+                  <a:outerShdw blurRad="38100" dist="25400" dir="5400000" algn="ctr" rotWithShape="0">
+                    <a:srgbClr val="6E747A">
+                      <a:alpha val="43000"/>
+                    </a:srgbClr>
+                  </a:outerShdw>
+                </a:effectLst>
+                <a:sym typeface="+mn-ea"/>
+              </a:rPr>
+              <a:t>雅江水电肯定不会立马结束，所以还有机会，不过要果断止盈止损，不能再留恋了！</a:t>
+            </a:r>
+            <a:endParaRPr lang="zh-CN"/>
+          </a:p>
+          <a:p>
+            <a:endParaRPr lang="zh-CN"/>
+          </a:p>
+        </p:txBody>
+      </p:sp>
+    </p:spTree>
+  </p:cSld>
+  <p:clrMapOvr>
+    <a:masterClrMapping/>
+  </p:clrMapOvr>
+</p:sld>
+</file>
+
 <file path=ppt/theme/theme1.xml><?xml version="1.0" encoding="utf-8"?>
 <a:theme xmlns:a="http://schemas.openxmlformats.org/drawingml/2006/main" name="WPS">
   <a:themeElements>

--- a/复盘.pptx
+++ b/复盘.pptx
@@ -9,6 +9,7 @@
     <p:sldId id="257" r:id="rId4"/>
     <p:sldId id="259" r:id="rId5"/>
     <p:sldId id="260" r:id="rId6"/>
+    <p:sldId id="261" r:id="rId7"/>
   </p:sldIdLst>
   <p:sldSz cx="12192000" cy="6858000"/>
   <p:notesSz cx="6858000" cy="9144000"/>
@@ -3707,6 +3708,145 @@
 </p:sld>
 </file>
 
+<file path=ppt/slides/slide5.xml><?xml version="1.0" encoding="utf-8"?>
+<p:sld xmlns:a="http://schemas.openxmlformats.org/drawingml/2006/main" xmlns:r="http://schemas.openxmlformats.org/officeDocument/2006/relationships" xmlns:p="http://schemas.openxmlformats.org/presentationml/2006/main">
+  <p:cSld>
+    <p:spTree>
+      <p:nvGrpSpPr>
+        <p:cNvPr id="1" name=""/>
+        <p:cNvGrpSpPr/>
+        <p:nvPr/>
+      </p:nvGrpSpPr>
+      <p:grpSpPr/>
+      <p:sp>
+        <p:nvSpPr>
+          <p:cNvPr id="2" name="标题 1"/>
+          <p:cNvSpPr>
+            <a:spLocks noGrp="1"/>
+          </p:cNvSpPr>
+          <p:nvPr>
+            <p:ph type="title"/>
+          </p:nvPr>
+        </p:nvSpPr>
+        <p:spPr/>
+        <p:txBody>
+          <a:bodyPr/>
+          <a:p>
+            <a:r>
+              <a:rPr lang="en-US" altLang="zh-CN">
+                <a:solidFill>
+                  <a:srgbClr val="FF0000"/>
+                </a:solidFill>
+                <a:sym typeface="+mn-ea"/>
+              </a:rPr>
+              <a:t>2025/07/29</a:t>
+            </a:r>
+            <a:endParaRPr lang="zh-CN" altLang="en-US"/>
+          </a:p>
+        </p:txBody>
+      </p:sp>
+      <p:sp>
+        <p:nvSpPr>
+          <p:cNvPr id="3" name="内容占位符 2"/>
+          <p:cNvSpPr>
+            <a:spLocks noGrp="1"/>
+          </p:cNvSpPr>
+          <p:nvPr>
+            <p:ph idx="1"/>
+          </p:nvPr>
+        </p:nvSpPr>
+        <p:spPr/>
+        <p:txBody>
+          <a:bodyPr>
+            <a:normAutofit lnSpcReduction="10000"/>
+          </a:bodyPr>
+          <a:p>
+            <a:r>
+              <a:rPr lang="zh-CN">
+                <a:solidFill>
+                  <a:srgbClr val="FF0000"/>
+                </a:solidFill>
+                <a:effectLst>
+                  <a:outerShdw blurRad="38100" dist="25400" dir="5400000" algn="ctr" rotWithShape="0">
+                    <a:srgbClr val="6E747A">
+                      <a:alpha val="43000"/>
+                    </a:srgbClr>
+                  </a:outerShdw>
+                </a:effectLst>
+                <a:sym typeface="+mn-ea"/>
+              </a:rPr>
+              <a:t>投资逻辑：</a:t>
+            </a:r>
+            <a:endParaRPr lang="zh-CN">
+              <a:solidFill>
+                <a:srgbClr val="FF0000"/>
+              </a:solidFill>
+              <a:effectLst>
+                <a:outerShdw blurRad="38100" dist="25400" dir="5400000" algn="ctr" rotWithShape="0">
+                  <a:srgbClr val="6E747A">
+                    <a:alpha val="43000"/>
+                  </a:srgbClr>
+                </a:outerShdw>
+              </a:effectLst>
+            </a:endParaRPr>
+          </a:p>
+          <a:p>
+            <a:r>
+              <a:rPr lang="zh-CN">
+                <a:solidFill>
+                  <a:schemeClr val="accent1"/>
+                </a:solidFill>
+                <a:effectLst>
+                  <a:outerShdw blurRad="38100" dist="25400" dir="5400000" algn="ctr" rotWithShape="0">
+                    <a:srgbClr val="6E747A">
+                      <a:alpha val="43000"/>
+                    </a:srgbClr>
+                  </a:outerShdw>
+                </a:effectLst>
+              </a:rPr>
+              <a:t>长线低估值：各种药</a:t>
+            </a:r>
+            <a:endParaRPr lang="zh-CN">
+              <a:solidFill>
+                <a:schemeClr val="accent1"/>
+              </a:solidFill>
+              <a:effectLst>
+                <a:outerShdw blurRad="38100" dist="25400" dir="5400000" algn="ctr" rotWithShape="0">
+                  <a:srgbClr val="6E747A">
+                    <a:alpha val="43000"/>
+                  </a:srgbClr>
+                </a:outerShdw>
+              </a:effectLst>
+            </a:endParaRPr>
+          </a:p>
+          <a:p>
+            <a:r>
+              <a:rPr lang="zh-CN">
+                <a:solidFill>
+                  <a:schemeClr val="accent1"/>
+                </a:solidFill>
+                <a:effectLst>
+                  <a:outerShdw blurRad="38100" dist="25400" dir="5400000" algn="ctr" rotWithShape="0">
+                    <a:srgbClr val="6E747A">
+                      <a:alpha val="43000"/>
+                    </a:srgbClr>
+                  </a:outerShdw>
+                </a:effectLst>
+              </a:rPr>
+              <a:t>长线高景气：</a:t>
+            </a:r>
+            <a:endParaRPr lang="zh-CN"/>
+          </a:p>
+        </p:txBody>
+      </p:sp>
+    </p:spTree>
+  </p:cSld>
+  <p:clrMapOvr>
+    <a:masterClrMapping/>
+  </p:clrMapOvr>
+</p:sld>
+</file>
+
 <file path=ppt/theme/theme1.xml><?xml version="1.0" encoding="utf-8"?>
 <a:theme xmlns:a="http://schemas.openxmlformats.org/drawingml/2006/main" name="WPS">
   <a:themeElements>

--- a/复盘.pptx
+++ b/复盘.pptx
@@ -3833,8 +3833,75 @@
                   </a:outerShdw>
                 </a:effectLst>
               </a:rPr>
-              <a:t>长线高景气：</a:t>
-            </a:r>
+              <a:t>长线高景气：科技，遥遥领先，自主可控</a:t>
+            </a:r>
+            <a:endParaRPr lang="zh-CN">
+              <a:solidFill>
+                <a:schemeClr val="accent1"/>
+              </a:solidFill>
+              <a:effectLst>
+                <a:outerShdw blurRad="38100" dist="25400" dir="5400000" algn="ctr" rotWithShape="0">
+                  <a:srgbClr val="6E747A">
+                    <a:alpha val="43000"/>
+                  </a:srgbClr>
+                </a:outerShdw>
+              </a:effectLst>
+            </a:endParaRPr>
+          </a:p>
+          <a:p>
+            <a:endParaRPr lang="zh-CN"/>
+          </a:p>
+          <a:p>
+            <a:r>
+              <a:rPr lang="zh-CN">
+                <a:solidFill>
+                  <a:schemeClr val="accent1"/>
+                </a:solidFill>
+                <a:effectLst>
+                  <a:outerShdw blurRad="38100" dist="25400" dir="5400000" algn="ctr" rotWithShape="0">
+                    <a:srgbClr val="6E747A">
+                      <a:alpha val="43000"/>
+                    </a:srgbClr>
+                  </a:outerShdw>
+                </a:effectLst>
+                <a:sym typeface="+mn-ea"/>
+              </a:rPr>
+              <a:t>今天继续大涨，账户再创新高，要时刻注意风险，短期来看情绪还在，还不用慌，后面如果出现不好的信号，要及时止盈，卖掉一些已经涨了很多的股票，长线也要适当减减仓。</a:t>
+            </a:r>
+            <a:endParaRPr lang="zh-CN">
+              <a:solidFill>
+                <a:schemeClr val="accent1"/>
+              </a:solidFill>
+              <a:effectLst>
+                <a:outerShdw blurRad="38100" dist="25400" dir="5400000" algn="ctr" rotWithShape="0">
+                  <a:srgbClr val="6E747A">
+                    <a:alpha val="43000"/>
+                  </a:srgbClr>
+                </a:outerShdw>
+              </a:effectLst>
+              <a:sym typeface="+mn-ea"/>
+            </a:endParaRPr>
+          </a:p>
+          <a:p>
+            <a:r>
+              <a:rPr lang="zh-CN">
+                <a:solidFill>
+                  <a:schemeClr val="accent1"/>
+                </a:solidFill>
+                <a:effectLst>
+                  <a:outerShdw blurRad="38100" dist="25400" dir="5400000" algn="ctr" rotWithShape="0">
+                    <a:srgbClr val="6E747A">
+                      <a:alpha val="43000"/>
+                    </a:srgbClr>
+                  </a:outerShdw>
+                </a:effectLst>
+                <a:sym typeface="+mn-ea"/>
+              </a:rPr>
+              <a:t>必要时刻，落袋为安才最好</a:t>
+            </a:r>
+            <a:endParaRPr lang="zh-CN"/>
+          </a:p>
+          <a:p>
             <a:endParaRPr lang="zh-CN"/>
           </a:p>
         </p:txBody>

--- a/复盘.pptx
+++ b/复盘.pptx
@@ -10,6 +10,7 @@
     <p:sldId id="259" r:id="rId5"/>
     <p:sldId id="260" r:id="rId6"/>
     <p:sldId id="261" r:id="rId7"/>
+    <p:sldId id="262" r:id="rId8"/>
   </p:sldIdLst>
   <p:sldSz cx="12192000" cy="6858000"/>
   <p:notesSz cx="6858000" cy="9144000"/>
@@ -3914,6 +3915,171 @@
 </p:sld>
 </file>
 
+<file path=ppt/slides/slide6.xml><?xml version="1.0" encoding="utf-8"?>
+<p:sld xmlns:a="http://schemas.openxmlformats.org/drawingml/2006/main" xmlns:r="http://schemas.openxmlformats.org/officeDocument/2006/relationships" xmlns:p="http://schemas.openxmlformats.org/presentationml/2006/main">
+  <p:cSld>
+    <p:spTree>
+      <p:nvGrpSpPr>
+        <p:cNvPr id="1" name=""/>
+        <p:cNvGrpSpPr/>
+        <p:nvPr/>
+      </p:nvGrpSpPr>
+      <p:grpSpPr/>
+      <p:sp>
+        <p:nvSpPr>
+          <p:cNvPr id="2" name="标题 1"/>
+          <p:cNvSpPr>
+            <a:spLocks noGrp="1"/>
+          </p:cNvSpPr>
+          <p:nvPr>
+            <p:ph type="title"/>
+          </p:nvPr>
+        </p:nvSpPr>
+        <p:spPr/>
+        <p:txBody>
+          <a:bodyPr/>
+          <a:p>
+            <a:r>
+              <a:rPr lang="en-US" altLang="zh-CN">
+                <a:solidFill>
+                  <a:srgbClr val="FF0000"/>
+                </a:solidFill>
+                <a:sym typeface="+mn-ea"/>
+              </a:rPr>
+              <a:t>2025/07/30</a:t>
+            </a:r>
+            <a:endParaRPr lang="zh-CN" altLang="en-US"/>
+          </a:p>
+        </p:txBody>
+      </p:sp>
+      <p:sp>
+        <p:nvSpPr>
+          <p:cNvPr id="3" name="内容占位符 2"/>
+          <p:cNvSpPr>
+            <a:spLocks noGrp="1"/>
+          </p:cNvSpPr>
+          <p:nvPr>
+            <p:ph idx="1"/>
+          </p:nvPr>
+        </p:nvSpPr>
+        <p:spPr/>
+        <p:txBody>
+          <a:bodyPr>
+            <a:normAutofit lnSpcReduction="10000"/>
+          </a:bodyPr>
+          <a:p>
+            <a:r>
+              <a:rPr lang="zh-CN">
+                <a:solidFill>
+                  <a:srgbClr val="FF0000"/>
+                </a:solidFill>
+                <a:effectLst>
+                  <a:outerShdw blurRad="38100" dist="25400" dir="5400000" algn="ctr" rotWithShape="0">
+                    <a:srgbClr val="6E747A">
+                      <a:alpha val="43000"/>
+                    </a:srgbClr>
+                  </a:outerShdw>
+                </a:effectLst>
+                <a:sym typeface="+mn-ea"/>
+              </a:rPr>
+              <a:t>复盘：</a:t>
+            </a:r>
+            <a:endParaRPr lang="zh-CN">
+              <a:solidFill>
+                <a:srgbClr val="FF0000"/>
+              </a:solidFill>
+              <a:effectLst>
+                <a:outerShdw blurRad="38100" dist="25400" dir="5400000" algn="ctr" rotWithShape="0">
+                  <a:srgbClr val="6E747A">
+                    <a:alpha val="43000"/>
+                  </a:srgbClr>
+                </a:outerShdw>
+              </a:effectLst>
+            </a:endParaRPr>
+          </a:p>
+          <a:p>
+            <a:r>
+              <a:rPr lang="zh-CN">
+                <a:solidFill>
+                  <a:schemeClr val="accent1"/>
+                </a:solidFill>
+                <a:effectLst>
+                  <a:outerShdw blurRad="38100" dist="25400" dir="5400000" algn="ctr" rotWithShape="0">
+                    <a:srgbClr val="6E747A">
+                      <a:alpha val="43000"/>
+                    </a:srgbClr>
+                  </a:outerShdw>
+                </a:effectLst>
+              </a:rPr>
+              <a:t>今天市场回调，还是比较良性的，没有恐慌情绪，没有大量资金砸盘，所以完全不需要慌</a:t>
+            </a:r>
+            <a:endParaRPr lang="zh-CN">
+              <a:solidFill>
+                <a:schemeClr val="accent1"/>
+              </a:solidFill>
+              <a:effectLst>
+                <a:outerShdw blurRad="38100" dist="25400" dir="5400000" algn="ctr" rotWithShape="0">
+                  <a:srgbClr val="6E747A">
+                    <a:alpha val="43000"/>
+                  </a:srgbClr>
+                </a:outerShdw>
+              </a:effectLst>
+            </a:endParaRPr>
+          </a:p>
+          <a:p>
+            <a:pPr marL="0" indent="0">
+              <a:buNone/>
+            </a:pPr>
+            <a:endParaRPr lang="zh-CN"/>
+          </a:p>
+          <a:p>
+            <a:r>
+              <a:rPr lang="zh-CN">
+                <a:solidFill>
+                  <a:schemeClr val="accent1"/>
+                </a:solidFill>
+                <a:effectLst>
+                  <a:outerShdw blurRad="38100" dist="25400" dir="5400000" algn="ctr" rotWithShape="0">
+                    <a:srgbClr val="6E747A">
+                      <a:alpha val="43000"/>
+                    </a:srgbClr>
+                  </a:outerShdw>
+                </a:effectLst>
+                <a:sym typeface="+mn-ea"/>
+              </a:rPr>
+              <a:t>不过，还是要时刻警惕风险的存在，今天降低了一些不必要的仓位，后面的计划是继续降低一些不必要的仓位。</a:t>
+            </a:r>
+            <a:endParaRPr lang="zh-CN">
+              <a:solidFill>
+                <a:schemeClr val="accent1"/>
+              </a:solidFill>
+              <a:effectLst>
+                <a:outerShdw blurRad="38100" dist="25400" dir="5400000" algn="ctr" rotWithShape="0">
+                  <a:srgbClr val="6E747A">
+                    <a:alpha val="43000"/>
+                  </a:srgbClr>
+                </a:outerShdw>
+              </a:effectLst>
+              <a:sym typeface="+mn-ea"/>
+            </a:endParaRPr>
+          </a:p>
+          <a:p>
+            <a:r>
+              <a:rPr lang="zh-CN"/>
+              <a:t>然后是做好后面的减仓计划，以防哪天市场真的崩了，需要及时减仓，并做好减仓方案才行。</a:t>
+            </a:r>
+            <a:endParaRPr lang="zh-CN"/>
+          </a:p>
+        </p:txBody>
+      </p:sp>
+    </p:spTree>
+  </p:cSld>
+  <p:clrMapOvr>
+    <a:masterClrMapping/>
+  </p:clrMapOvr>
+</p:sld>
+</file>
+
 <file path=ppt/theme/theme1.xml><?xml version="1.0" encoding="utf-8"?>
 <a:theme xmlns:a="http://schemas.openxmlformats.org/drawingml/2006/main" name="WPS">
   <a:themeElements>
